--- a/Presentation.pptx
+++ b/Presentation.pptx
@@ -135,6 +135,11 @@
       </a:defRPr>
     </a:lvl9pPr>
   </p:defaultTextStyle>
+  <p:extLst>
+    <p:ext uri="{EFAFB233-063F-42B5-8137-9DF3F51BA10A}">
+      <p15:sldGuideLst xmlns:p15="http://schemas.microsoft.com/office/powerpoint/2012/main"/>
+    </p:ext>
+  </p:extLst>
 </p:presentation>
 </file>
 
@@ -269,7 +274,7 @@
           <a:p>
             <a:fld id="{21EE1D12-B0DC-4F11-B5F1-5E7346B0954A}" type="datetimeFigureOut">
               <a:rPr lang="en-US" smtClean="0"/>
-              <a:t>2/2/2016</a:t>
+              <a:t>2/8/2016</a:t>
             </a:fld>
             <a:endParaRPr lang="en-US"/>
           </a:p>
@@ -439,7 +444,7 @@
           <a:p>
             <a:fld id="{21EE1D12-B0DC-4F11-B5F1-5E7346B0954A}" type="datetimeFigureOut">
               <a:rPr lang="en-US" smtClean="0"/>
-              <a:t>2/2/2016</a:t>
+              <a:t>2/8/2016</a:t>
             </a:fld>
             <a:endParaRPr lang="en-US"/>
           </a:p>
@@ -619,7 +624,7 @@
           <a:p>
             <a:fld id="{21EE1D12-B0DC-4F11-B5F1-5E7346B0954A}" type="datetimeFigureOut">
               <a:rPr lang="en-US" smtClean="0"/>
-              <a:t>2/2/2016</a:t>
+              <a:t>2/8/2016</a:t>
             </a:fld>
             <a:endParaRPr lang="en-US"/>
           </a:p>
@@ -789,7 +794,7 @@
           <a:p>
             <a:fld id="{21EE1D12-B0DC-4F11-B5F1-5E7346B0954A}" type="datetimeFigureOut">
               <a:rPr lang="en-US" smtClean="0"/>
-              <a:t>2/2/2016</a:t>
+              <a:t>2/8/2016</a:t>
             </a:fld>
             <a:endParaRPr lang="en-US"/>
           </a:p>
@@ -1035,7 +1040,7 @@
           <a:p>
             <a:fld id="{21EE1D12-B0DC-4F11-B5F1-5E7346B0954A}" type="datetimeFigureOut">
               <a:rPr lang="en-US" smtClean="0"/>
-              <a:t>2/2/2016</a:t>
+              <a:t>2/8/2016</a:t>
             </a:fld>
             <a:endParaRPr lang="en-US"/>
           </a:p>
@@ -1267,7 +1272,7 @@
           <a:p>
             <a:fld id="{21EE1D12-B0DC-4F11-B5F1-5E7346B0954A}" type="datetimeFigureOut">
               <a:rPr lang="en-US" smtClean="0"/>
-              <a:t>2/2/2016</a:t>
+              <a:t>2/8/2016</a:t>
             </a:fld>
             <a:endParaRPr lang="en-US"/>
           </a:p>
@@ -1634,7 +1639,7 @@
           <a:p>
             <a:fld id="{21EE1D12-B0DC-4F11-B5F1-5E7346B0954A}" type="datetimeFigureOut">
               <a:rPr lang="en-US" smtClean="0"/>
-              <a:t>2/2/2016</a:t>
+              <a:t>2/8/2016</a:t>
             </a:fld>
             <a:endParaRPr lang="en-US"/>
           </a:p>
@@ -1752,7 +1757,7 @@
           <a:p>
             <a:fld id="{21EE1D12-B0DC-4F11-B5F1-5E7346B0954A}" type="datetimeFigureOut">
               <a:rPr lang="en-US" smtClean="0"/>
-              <a:t>2/2/2016</a:t>
+              <a:t>2/8/2016</a:t>
             </a:fld>
             <a:endParaRPr lang="en-US"/>
           </a:p>
@@ -1847,7 +1852,7 @@
           <a:p>
             <a:fld id="{21EE1D12-B0DC-4F11-B5F1-5E7346B0954A}" type="datetimeFigureOut">
               <a:rPr lang="en-US" smtClean="0"/>
-              <a:t>2/2/2016</a:t>
+              <a:t>2/8/2016</a:t>
             </a:fld>
             <a:endParaRPr lang="en-US"/>
           </a:p>
@@ -2124,7 +2129,7 @@
           <a:p>
             <a:fld id="{21EE1D12-B0DC-4F11-B5F1-5E7346B0954A}" type="datetimeFigureOut">
               <a:rPr lang="en-US" smtClean="0"/>
-              <a:t>2/2/2016</a:t>
+              <a:t>2/8/2016</a:t>
             </a:fld>
             <a:endParaRPr lang="en-US"/>
           </a:p>
@@ -2377,7 +2382,7 @@
           <a:p>
             <a:fld id="{21EE1D12-B0DC-4F11-B5F1-5E7346B0954A}" type="datetimeFigureOut">
               <a:rPr lang="en-US" smtClean="0"/>
-              <a:t>2/2/2016</a:t>
+              <a:t>2/8/2016</a:t>
             </a:fld>
             <a:endParaRPr lang="en-US"/>
           </a:p>
@@ -2590,7 +2595,7 @@
           <a:p>
             <a:fld id="{21EE1D12-B0DC-4F11-B5F1-5E7346B0954A}" type="datetimeFigureOut">
               <a:rPr lang="en-US" smtClean="0"/>
-              <a:t>2/2/2016</a:t>
+              <a:t>2/8/2016</a:t>
             </a:fld>
             <a:endParaRPr lang="en-US"/>
           </a:p>
@@ -3289,11 +3294,7 @@
             </a:br>
             <a:r>
               <a:rPr lang="en-US" sz="2800" dirty="0" smtClean="0"/>
-              <a:t>-</a:t>
-            </a:r>
-            <a:r>
-              <a:rPr lang="en-US" sz="2800" dirty="0" smtClean="0"/>
-              <a:t> Using binary , instead of text (faster to write, communicate and read)</a:t>
+              <a:t>- Using binary , instead of text (faster to write, communicate and read)</a:t>
             </a:r>
             <a:r>
               <a:rPr lang="en-US" sz="2000" dirty="0" smtClean="0"/>
@@ -3441,7 +3442,7 @@
         </p:nvSpPr>
         <p:spPr>
           <a:xfrm>
-            <a:off x="723900" y="3105835"/>
+            <a:off x="673100" y="2915335"/>
             <a:ext cx="11023600" cy="2585323"/>
           </a:xfrm>
           <a:prstGeom prst="rect">
@@ -3544,15 +3545,7 @@
             <a:pPr algn="ctr"/>
             <a:r>
               <a:rPr lang="en-US" sz="2000" dirty="0" smtClean="0"/>
-              <a:t>A message to be sent should be an object (in Java or C#) that should provide a serialization method, which basically builds a serialized message (an array of bytes) by </a:t>
-            </a:r>
-            <a:r>
-              <a:rPr lang="en-US" sz="2000" dirty="0" err="1" smtClean="0"/>
-              <a:t>sucessively</a:t>
-            </a:r>
-            <a:r>
-              <a:rPr lang="en-US" sz="2000" dirty="0" smtClean="0"/>
-              <a:t> adding each of its components, serialized</a:t>
+              <a:t>A message to be sent should be an object (in Java or C#) that should provide a serialization method, which basically builds a serialized message (an array of bytes) by successively adding each of its components, serialized</a:t>
             </a:r>
             <a:br>
               <a:rPr lang="en-US" sz="2000" dirty="0" smtClean="0"/>
@@ -3580,11 +3573,7 @@
             </a:br>
             <a:r>
               <a:rPr lang="en-US" sz="2000" dirty="0" smtClean="0"/>
-              <a:t>The system uses </a:t>
-            </a:r>
-            <a:r>
-              <a:rPr lang="en-US" sz="2000" dirty="0" smtClean="0"/>
-              <a:t>prototype of this mechanism while doing serialization. include names in the serialization format of the components of structures. </a:t>
+              <a:t>The system uses prototype of this mechanism while doing serialization. include names in the serialization format of the components of structures. </a:t>
             </a:r>
             <a:r>
               <a:rPr lang="en-US" sz="2000" dirty="0"/>
@@ -4451,7 +4440,18 @@
             <a:pPr algn="ctr"/>
             <a:r>
               <a:rPr lang="en-US" sz="2000" dirty="0" smtClean="0"/>
-              <a:t>C# Client sends Primitive Message - #1</a:t>
+              <a:t>C# Client sends Primitive Message - #</a:t>
+            </a:r>
+            <a:r>
+              <a:rPr lang="en-US" sz="2000" dirty="0" smtClean="0"/>
+              <a:t>1</a:t>
+            </a:r>
+            <a:br>
+              <a:rPr lang="en-US" sz="2000" dirty="0" smtClean="0"/>
+            </a:br>
+            <a:r>
+              <a:rPr lang="en-US" sz="2000" dirty="0" smtClean="0"/>
+              <a:t/>
             </a:r>
             <a:br>
               <a:rPr lang="en-US" sz="2000" dirty="0" smtClean="0"/>
@@ -5176,11 +5176,7 @@
           <a:p>
             <a:r>
               <a:rPr lang="en-US" dirty="0" smtClean="0"/>
-              <a:t>Binary level c</a:t>
-            </a:r>
-            <a:r>
-              <a:rPr lang="en-US" dirty="0" smtClean="0"/>
-              <a:t>ompliance and conformance </a:t>
+              <a:t>Binary level compliance and conformance </a:t>
             </a:r>
             <a:endParaRPr lang="en-US" dirty="0"/>
           </a:p>
@@ -5302,11 +5298,7 @@
             <a:pPr algn="ctr"/>
             <a:r>
               <a:rPr lang="en-US" sz="2000" dirty="0" smtClean="0"/>
-              <a:t>The f</a:t>
-            </a:r>
-            <a:r>
-              <a:rPr lang="en-US" sz="2000" dirty="0" smtClean="0"/>
-              <a:t>undamental difference is the way in which the programming languages use the technology:</a:t>
+              <a:t>The fundamental difference is the way in which the programming languages use the technology:</a:t>
             </a:r>
             <a:br>
               <a:rPr lang="en-US" sz="2000" dirty="0" smtClean="0"/>
